--- a/fire-forum/mami-fire-forum.pptx
+++ b/fire-forum/mami-fire-forum.pptx
@@ -4044,8 +4044,8 @@
         </p:nvSpPr>
         <p:spPr>
           <a:xfrm>
-            <a:off x="952500" y="5305413"/>
-            <a:ext cx="11099800" cy="3584587"/>
+            <a:off x="952500" y="4971294"/>
+            <a:ext cx="11099801" cy="3918706"/>
           </a:xfrm>
           <a:prstGeom prst="rect">
             <a:avLst/>
@@ -4055,22 +4055,22 @@
           <a:bodyPr/>
           <a:lstStyle/>
           <a:p>
-            <a:pPr marL="280034" indent="-280034" defTabSz="368045">
+            <a:pPr marL="275590" indent="-275590" defTabSz="362204">
               <a:spcBef>
                 <a:spcPts val="1100"/>
               </a:spcBef>
-              <a:defRPr sz="2268"/>
+              <a:defRPr sz="2232"/>
             </a:pPr>
             <a:r>
               <a:t>30 months (Jan 2016 - Jun 2018), seven partners, three broad areas of work</a:t>
             </a:r>
           </a:p>
           <a:p>
-            <a:pPr lvl="1" marL="560069" indent="-280034" defTabSz="368045">
+            <a:pPr lvl="1" marL="551180" indent="-275590" defTabSz="362204">
               <a:spcBef>
                 <a:spcPts val="1100"/>
               </a:spcBef>
-              <a:defRPr sz="2268"/>
+              <a:defRPr sz="2232"/>
             </a:pPr>
             <a:r>
               <a:rPr b="1">
@@ -4086,11 +4086,11 @@
             </a:r>
           </a:p>
           <a:p>
-            <a:pPr lvl="1" marL="560069" indent="-280034" defTabSz="368045">
+            <a:pPr lvl="1" marL="551180" indent="-275590" defTabSz="362204">
               <a:spcBef>
                 <a:spcPts val="1100"/>
               </a:spcBef>
-              <a:defRPr sz="2268"/>
+              <a:defRPr sz="2232"/>
             </a:pPr>
             <a:r>
               <a:t>Develop an </a:t>
@@ -4105,19 +4105,19 @@
               <a:t>architecture</a:t>
             </a:r>
             <a:r>
-              <a:t> and protocols for explicit cooperation </a:t>
+              <a:t> and protocols for explicit cooperation between </a:t>
             </a:r>
             <a:br/>
             <a:r>
-              <a:t>between middleboxes and endpoints</a:t>
-            </a:r>
-          </a:p>
-          <a:p>
-            <a:pPr lvl="1" marL="560069" indent="-280034" defTabSz="368045">
+              <a:t>middleboxes and endpoints</a:t>
+            </a:r>
+          </a:p>
+          <a:p>
+            <a:pPr lvl="1" marL="551180" indent="-275590" defTabSz="362204">
               <a:spcBef>
                 <a:spcPts val="1100"/>
               </a:spcBef>
-              <a:defRPr sz="2268"/>
+              <a:defRPr sz="2232"/>
             </a:pPr>
             <a:r>
               <a:rPr b="1">
@@ -4133,22 +4133,22 @@
             </a:r>
           </a:p>
           <a:p>
-            <a:pPr marL="280034" indent="-280034" defTabSz="368045">
+            <a:pPr marL="275590" indent="-275590" defTabSz="362204">
               <a:spcBef>
                 <a:spcPts val="1100"/>
               </a:spcBef>
-              <a:defRPr sz="2268"/>
+              <a:defRPr sz="2232"/>
             </a:pPr>
             <a:r>
               <a:t>Strong interaction with relevant standards organizations for impact on deployment</a:t>
             </a:r>
           </a:p>
           <a:p>
-            <a:pPr marL="280034" indent="-280034" defTabSz="368045">
+            <a:pPr marL="275590" indent="-275590" defTabSz="362204">
               <a:spcBef>
                 <a:spcPts val="1100"/>
               </a:spcBef>
-              <a:defRPr sz="2268"/>
+              <a:defRPr sz="2232"/>
             </a:pPr>
             <a:r>
               <a:rPr b="1">
@@ -4165,6 +4165,26 @@
             <a:br/>
             <a:r>
               <a:t>especially on mobile broadband access networks</a:t>
+            </a:r>
+          </a:p>
+          <a:p>
+            <a:pPr marL="275590" indent="-275590" defTabSz="362204">
+              <a:spcBef>
+                <a:spcPts val="1100"/>
+              </a:spcBef>
+              <a:defRPr sz="2232"/>
+            </a:pPr>
+            <a:r>
+              <a:t>Learn more at</a:t>
+            </a:r>
+            <a:r>
+              <a:rPr b="1">
+                <a:latin typeface="Helvetica"/>
+                <a:ea typeface="Helvetica"/>
+                <a:cs typeface="Helvetica"/>
+                <a:sym typeface="Helvetica"/>
+              </a:rPr>
+              <a:t> http://mami-project.eu/</a:t>
             </a:r>
           </a:p>
         </p:txBody>
@@ -4218,8 +4238,8 @@
         </p:blipFill>
         <p:spPr>
           <a:xfrm>
-            <a:off x="2968376" y="2270632"/>
-            <a:ext cx="7068048" cy="3002536"/>
+            <a:off x="3427095" y="2270632"/>
+            <a:ext cx="6150610" cy="2612805"/>
           </a:xfrm>
           <a:prstGeom prst="rect">
             <a:avLst/>
